--- a/ppt 16-9/0797.时刻需主.pptx
+++ b/ppt 16-9/0797.时刻需主.pptx
@@ -5,7 +5,7 @@
     <p:sldMasterId id="2147483648" r:id="rId1"/>
   </p:sldMasterIdLst>
   <p:sldIdLst>
-    <p:sldId id="2066" r:id="rId2"/>
+    <p:sldId id="2067" r:id="rId2"/>
   </p:sldIdLst>
   <p:sldSz cx="12192000" cy="6858000"/>
   <p:notesSz cx="6858000" cy="9144000"/>
@@ -129,7 +129,7 @@
           <p:cNvPr id="2" name="标题 1">
             <a:extLst>
               <a:ext uri="{FF2B5EF4-FFF2-40B4-BE49-F238E27FC236}">
-                <a16:creationId xmlns:a16="http://schemas.microsoft.com/office/drawing/2014/main" id="{09AECB25-658C-3DB0-E439-1CCF2B3EA38D}"/>
+                <a16:creationId xmlns:a16="http://schemas.microsoft.com/office/drawing/2014/main" id="{09AB2F9F-EE41-4F73-3E07-17B13CAB94E3}"/>
               </a:ext>
             </a:extLst>
           </p:cNvPr>
@@ -166,7 +166,7 @@
           <p:cNvPr id="3" name="副标题 2">
             <a:extLst>
               <a:ext uri="{FF2B5EF4-FFF2-40B4-BE49-F238E27FC236}">
-                <a16:creationId xmlns:a16="http://schemas.microsoft.com/office/drawing/2014/main" id="{BDD64722-6769-D418-BC47-8D822D587F19}"/>
+                <a16:creationId xmlns:a16="http://schemas.microsoft.com/office/drawing/2014/main" id="{F2C9925E-ED73-E065-5F1D-DB2ACC22A601}"/>
               </a:ext>
             </a:extLst>
           </p:cNvPr>
@@ -236,7 +236,7 @@
           <p:cNvPr id="4" name="日期占位符 3">
             <a:extLst>
               <a:ext uri="{FF2B5EF4-FFF2-40B4-BE49-F238E27FC236}">
-                <a16:creationId xmlns:a16="http://schemas.microsoft.com/office/drawing/2014/main" id="{BDADBB19-023C-B16E-A0DC-578C10FD127D}"/>
+                <a16:creationId xmlns:a16="http://schemas.microsoft.com/office/drawing/2014/main" id="{4B84ECB9-D8FF-F3E8-8188-19E3D501FE98}"/>
               </a:ext>
             </a:extLst>
           </p:cNvPr>
@@ -252,7 +252,7 @@
           <a:bodyPr/>
           <a:lstStyle/>
           <a:p>
-            <a:fld id="{D63D7654-853C-46C8-A965-AA685E092988}" type="datetimeFigureOut">
+            <a:fld id="{965E1644-A8E0-4319-9B12-FEA1985CC69D}" type="datetimeFigureOut">
               <a:rPr lang="zh-CN" altLang="en-US" smtClean="0"/>
               <a:t>2024/3/10</a:t>
             </a:fld>
@@ -265,7 +265,7 @@
           <p:cNvPr id="5" name="页脚占位符 4">
             <a:extLst>
               <a:ext uri="{FF2B5EF4-FFF2-40B4-BE49-F238E27FC236}">
-                <a16:creationId xmlns:a16="http://schemas.microsoft.com/office/drawing/2014/main" id="{C4146278-7BAD-53EA-AE64-3157F01CE3DD}"/>
+                <a16:creationId xmlns:a16="http://schemas.microsoft.com/office/drawing/2014/main" id="{BA6656C0-507D-A381-834A-1A821C93F056}"/>
               </a:ext>
             </a:extLst>
           </p:cNvPr>
@@ -290,7 +290,7 @@
           <p:cNvPr id="6" name="灯片编号占位符 5">
             <a:extLst>
               <a:ext uri="{FF2B5EF4-FFF2-40B4-BE49-F238E27FC236}">
-                <a16:creationId xmlns:a16="http://schemas.microsoft.com/office/drawing/2014/main" id="{4E288753-93CF-43C4-997A-650CE68D39B7}"/>
+                <a16:creationId xmlns:a16="http://schemas.microsoft.com/office/drawing/2014/main" id="{8A75E8C7-5D10-33BB-94CF-2B2B31A5C42F}"/>
               </a:ext>
             </a:extLst>
           </p:cNvPr>
@@ -306,7 +306,7 @@
           <a:bodyPr/>
           <a:lstStyle/>
           <a:p>
-            <a:fld id="{DE05F33D-0BF6-4B35-9961-305890A34C1C}" type="slidenum">
+            <a:fld id="{48207790-875F-405F-B5B3-138B2A266317}" type="slidenum">
               <a:rPr lang="zh-CN" altLang="en-US" smtClean="0"/>
               <a:t>‹#›</a:t>
             </a:fld>
@@ -317,7 +317,7 @@
     </p:spTree>
     <p:extLst>
       <p:ext uri="{BB962C8B-B14F-4D97-AF65-F5344CB8AC3E}">
-        <p14:creationId xmlns:p14="http://schemas.microsoft.com/office/powerpoint/2010/main" val="1617454119"/>
+        <p14:creationId xmlns:p14="http://schemas.microsoft.com/office/powerpoint/2010/main" val="3755364664"/>
       </p:ext>
     </p:extLst>
   </p:cSld>
@@ -349,7 +349,7 @@
           <p:cNvPr id="2" name="标题 1">
             <a:extLst>
               <a:ext uri="{FF2B5EF4-FFF2-40B4-BE49-F238E27FC236}">
-                <a16:creationId xmlns:a16="http://schemas.microsoft.com/office/drawing/2014/main" id="{F38D26BD-FB12-9520-DE9B-1B937CDA206B}"/>
+                <a16:creationId xmlns:a16="http://schemas.microsoft.com/office/drawing/2014/main" id="{A8790D63-9219-3F18-FCAA-C1BA480CD562}"/>
               </a:ext>
             </a:extLst>
           </p:cNvPr>
@@ -377,7 +377,7 @@
           <p:cNvPr id="3" name="竖排文字占位符 2">
             <a:extLst>
               <a:ext uri="{FF2B5EF4-FFF2-40B4-BE49-F238E27FC236}">
-                <a16:creationId xmlns:a16="http://schemas.microsoft.com/office/drawing/2014/main" id="{25FC762D-A08B-530F-F285-CAEBA90335A2}"/>
+                <a16:creationId xmlns:a16="http://schemas.microsoft.com/office/drawing/2014/main" id="{BFEF8D03-15AE-9C3A-2EF9-45CB8B69AC44}"/>
               </a:ext>
             </a:extLst>
           </p:cNvPr>
@@ -434,7 +434,7 @@
           <p:cNvPr id="4" name="日期占位符 3">
             <a:extLst>
               <a:ext uri="{FF2B5EF4-FFF2-40B4-BE49-F238E27FC236}">
-                <a16:creationId xmlns:a16="http://schemas.microsoft.com/office/drawing/2014/main" id="{8BC85F0A-7A72-92B9-93D6-DA009F27B257}"/>
+                <a16:creationId xmlns:a16="http://schemas.microsoft.com/office/drawing/2014/main" id="{3EFECB31-DDC4-74D4-1030-FA3BD30F9AEF}"/>
               </a:ext>
             </a:extLst>
           </p:cNvPr>
@@ -450,7 +450,7 @@
           <a:bodyPr/>
           <a:lstStyle/>
           <a:p>
-            <a:fld id="{D63D7654-853C-46C8-A965-AA685E092988}" type="datetimeFigureOut">
+            <a:fld id="{965E1644-A8E0-4319-9B12-FEA1985CC69D}" type="datetimeFigureOut">
               <a:rPr lang="zh-CN" altLang="en-US" smtClean="0"/>
               <a:t>2024/3/10</a:t>
             </a:fld>
@@ -463,7 +463,7 @@
           <p:cNvPr id="5" name="页脚占位符 4">
             <a:extLst>
               <a:ext uri="{FF2B5EF4-FFF2-40B4-BE49-F238E27FC236}">
-                <a16:creationId xmlns:a16="http://schemas.microsoft.com/office/drawing/2014/main" id="{9A2076F7-8725-C621-CA5E-6D2FF7DB47B0}"/>
+                <a16:creationId xmlns:a16="http://schemas.microsoft.com/office/drawing/2014/main" id="{B02BA5D4-A00D-70F8-3428-ADEC62C2E784}"/>
               </a:ext>
             </a:extLst>
           </p:cNvPr>
@@ -488,7 +488,7 @@
           <p:cNvPr id="6" name="灯片编号占位符 5">
             <a:extLst>
               <a:ext uri="{FF2B5EF4-FFF2-40B4-BE49-F238E27FC236}">
-                <a16:creationId xmlns:a16="http://schemas.microsoft.com/office/drawing/2014/main" id="{2954AF46-F702-C72B-60E7-ECE87970F907}"/>
+                <a16:creationId xmlns:a16="http://schemas.microsoft.com/office/drawing/2014/main" id="{2B5C3B8B-D881-3968-9DF9-DBD4B4CBCAD1}"/>
               </a:ext>
             </a:extLst>
           </p:cNvPr>
@@ -504,7 +504,7 @@
           <a:bodyPr/>
           <a:lstStyle/>
           <a:p>
-            <a:fld id="{DE05F33D-0BF6-4B35-9961-305890A34C1C}" type="slidenum">
+            <a:fld id="{48207790-875F-405F-B5B3-138B2A266317}" type="slidenum">
               <a:rPr lang="zh-CN" altLang="en-US" smtClean="0"/>
               <a:t>‹#›</a:t>
             </a:fld>
@@ -515,7 +515,7 @@
     </p:spTree>
     <p:extLst>
       <p:ext uri="{BB962C8B-B14F-4D97-AF65-F5344CB8AC3E}">
-        <p14:creationId xmlns:p14="http://schemas.microsoft.com/office/powerpoint/2010/main" val="1206515002"/>
+        <p14:creationId xmlns:p14="http://schemas.microsoft.com/office/powerpoint/2010/main" val="676766825"/>
       </p:ext>
     </p:extLst>
   </p:cSld>
@@ -547,7 +547,7 @@
           <p:cNvPr id="2" name="竖排标题 1">
             <a:extLst>
               <a:ext uri="{FF2B5EF4-FFF2-40B4-BE49-F238E27FC236}">
-                <a16:creationId xmlns:a16="http://schemas.microsoft.com/office/drawing/2014/main" id="{D734CA11-07C7-4172-5549-E194BD6AD846}"/>
+                <a16:creationId xmlns:a16="http://schemas.microsoft.com/office/drawing/2014/main" id="{2F2CB64F-43A7-6B4F-4288-35007124F4AC}"/>
               </a:ext>
             </a:extLst>
           </p:cNvPr>
@@ -580,7 +580,7 @@
           <p:cNvPr id="3" name="竖排文字占位符 2">
             <a:extLst>
               <a:ext uri="{FF2B5EF4-FFF2-40B4-BE49-F238E27FC236}">
-                <a16:creationId xmlns:a16="http://schemas.microsoft.com/office/drawing/2014/main" id="{EB51FDD1-CC17-B3BB-8884-CD957CAC0DF4}"/>
+                <a16:creationId xmlns:a16="http://schemas.microsoft.com/office/drawing/2014/main" id="{B471DAC9-FC85-943B-D93E-3A3F2A179124}"/>
               </a:ext>
             </a:extLst>
           </p:cNvPr>
@@ -642,7 +642,7 @@
           <p:cNvPr id="4" name="日期占位符 3">
             <a:extLst>
               <a:ext uri="{FF2B5EF4-FFF2-40B4-BE49-F238E27FC236}">
-                <a16:creationId xmlns:a16="http://schemas.microsoft.com/office/drawing/2014/main" id="{40C6618C-D8F0-DA21-6107-9873B65B9B35}"/>
+                <a16:creationId xmlns:a16="http://schemas.microsoft.com/office/drawing/2014/main" id="{501C6718-DA21-F845-9A95-851AFC72DD21}"/>
               </a:ext>
             </a:extLst>
           </p:cNvPr>
@@ -658,7 +658,7 @@
           <a:bodyPr/>
           <a:lstStyle/>
           <a:p>
-            <a:fld id="{D63D7654-853C-46C8-A965-AA685E092988}" type="datetimeFigureOut">
+            <a:fld id="{965E1644-A8E0-4319-9B12-FEA1985CC69D}" type="datetimeFigureOut">
               <a:rPr lang="zh-CN" altLang="en-US" smtClean="0"/>
               <a:t>2024/3/10</a:t>
             </a:fld>
@@ -671,7 +671,7 @@
           <p:cNvPr id="5" name="页脚占位符 4">
             <a:extLst>
               <a:ext uri="{FF2B5EF4-FFF2-40B4-BE49-F238E27FC236}">
-                <a16:creationId xmlns:a16="http://schemas.microsoft.com/office/drawing/2014/main" id="{905066A5-9927-A738-86D2-F95840BA68FE}"/>
+                <a16:creationId xmlns:a16="http://schemas.microsoft.com/office/drawing/2014/main" id="{AE07D125-BD8F-6B01-A97C-80A29E93F03F}"/>
               </a:ext>
             </a:extLst>
           </p:cNvPr>
@@ -696,7 +696,7 @@
           <p:cNvPr id="6" name="灯片编号占位符 5">
             <a:extLst>
               <a:ext uri="{FF2B5EF4-FFF2-40B4-BE49-F238E27FC236}">
-                <a16:creationId xmlns:a16="http://schemas.microsoft.com/office/drawing/2014/main" id="{452B9C57-AAA1-21AE-97BC-99F0ED70956E}"/>
+                <a16:creationId xmlns:a16="http://schemas.microsoft.com/office/drawing/2014/main" id="{11FEBF63-8EA2-CF60-DAA1-EA866E2A2053}"/>
               </a:ext>
             </a:extLst>
           </p:cNvPr>
@@ -712,7 +712,7 @@
           <a:bodyPr/>
           <a:lstStyle/>
           <a:p>
-            <a:fld id="{DE05F33D-0BF6-4B35-9961-305890A34C1C}" type="slidenum">
+            <a:fld id="{48207790-875F-405F-B5B3-138B2A266317}" type="slidenum">
               <a:rPr lang="zh-CN" altLang="en-US" smtClean="0"/>
               <a:t>‹#›</a:t>
             </a:fld>
@@ -723,7 +723,7 @@
     </p:spTree>
     <p:extLst>
       <p:ext uri="{BB962C8B-B14F-4D97-AF65-F5344CB8AC3E}">
-        <p14:creationId xmlns:p14="http://schemas.microsoft.com/office/powerpoint/2010/main" val="1191297298"/>
+        <p14:creationId xmlns:p14="http://schemas.microsoft.com/office/powerpoint/2010/main" val="2834560008"/>
       </p:ext>
     </p:extLst>
   </p:cSld>
@@ -755,7 +755,7 @@
           <p:cNvPr id="2" name="标题 1">
             <a:extLst>
               <a:ext uri="{FF2B5EF4-FFF2-40B4-BE49-F238E27FC236}">
-                <a16:creationId xmlns:a16="http://schemas.microsoft.com/office/drawing/2014/main" id="{CA5FE22C-ABBD-F07B-D1B1-1F008D1F061C}"/>
+                <a16:creationId xmlns:a16="http://schemas.microsoft.com/office/drawing/2014/main" id="{8078302C-C415-9262-5741-B113690302AC}"/>
               </a:ext>
             </a:extLst>
           </p:cNvPr>
@@ -783,7 +783,7 @@
           <p:cNvPr id="3" name="内容占位符 2">
             <a:extLst>
               <a:ext uri="{FF2B5EF4-FFF2-40B4-BE49-F238E27FC236}">
-                <a16:creationId xmlns:a16="http://schemas.microsoft.com/office/drawing/2014/main" id="{3B2E6AAA-3BF0-834F-FE26-8653A5A44A8E}"/>
+                <a16:creationId xmlns:a16="http://schemas.microsoft.com/office/drawing/2014/main" id="{EA0D701B-9476-A473-8B3B-098C4B30C085}"/>
               </a:ext>
             </a:extLst>
           </p:cNvPr>
@@ -840,7 +840,7 @@
           <p:cNvPr id="4" name="日期占位符 3">
             <a:extLst>
               <a:ext uri="{FF2B5EF4-FFF2-40B4-BE49-F238E27FC236}">
-                <a16:creationId xmlns:a16="http://schemas.microsoft.com/office/drawing/2014/main" id="{142D97E5-1B2A-F245-36BE-A94339CA81AA}"/>
+                <a16:creationId xmlns:a16="http://schemas.microsoft.com/office/drawing/2014/main" id="{72AE77ED-A3CF-8B2C-05CD-F494F4E5747D}"/>
               </a:ext>
             </a:extLst>
           </p:cNvPr>
@@ -856,7 +856,7 @@
           <a:bodyPr/>
           <a:lstStyle/>
           <a:p>
-            <a:fld id="{D63D7654-853C-46C8-A965-AA685E092988}" type="datetimeFigureOut">
+            <a:fld id="{965E1644-A8E0-4319-9B12-FEA1985CC69D}" type="datetimeFigureOut">
               <a:rPr lang="zh-CN" altLang="en-US" smtClean="0"/>
               <a:t>2024/3/10</a:t>
             </a:fld>
@@ -869,7 +869,7 @@
           <p:cNvPr id="5" name="页脚占位符 4">
             <a:extLst>
               <a:ext uri="{FF2B5EF4-FFF2-40B4-BE49-F238E27FC236}">
-                <a16:creationId xmlns:a16="http://schemas.microsoft.com/office/drawing/2014/main" id="{C043794F-2BC7-9DB0-75E3-0C95162C8153}"/>
+                <a16:creationId xmlns:a16="http://schemas.microsoft.com/office/drawing/2014/main" id="{F11ACDE9-C584-8BEA-ED23-5F446FD4C7E3}"/>
               </a:ext>
             </a:extLst>
           </p:cNvPr>
@@ -894,7 +894,7 @@
           <p:cNvPr id="6" name="灯片编号占位符 5">
             <a:extLst>
               <a:ext uri="{FF2B5EF4-FFF2-40B4-BE49-F238E27FC236}">
-                <a16:creationId xmlns:a16="http://schemas.microsoft.com/office/drawing/2014/main" id="{EC69969C-7A93-93A0-D06F-CE22358F980F}"/>
+                <a16:creationId xmlns:a16="http://schemas.microsoft.com/office/drawing/2014/main" id="{6F7BB7E5-3D5E-F1EE-A37A-747E264D65DC}"/>
               </a:ext>
             </a:extLst>
           </p:cNvPr>
@@ -910,7 +910,7 @@
           <a:bodyPr/>
           <a:lstStyle/>
           <a:p>
-            <a:fld id="{DE05F33D-0BF6-4B35-9961-305890A34C1C}" type="slidenum">
+            <a:fld id="{48207790-875F-405F-B5B3-138B2A266317}" type="slidenum">
               <a:rPr lang="zh-CN" altLang="en-US" smtClean="0"/>
               <a:t>‹#›</a:t>
             </a:fld>
@@ -921,7 +921,7 @@
     </p:spTree>
     <p:extLst>
       <p:ext uri="{BB962C8B-B14F-4D97-AF65-F5344CB8AC3E}">
-        <p14:creationId xmlns:p14="http://schemas.microsoft.com/office/powerpoint/2010/main" val="3652732607"/>
+        <p14:creationId xmlns:p14="http://schemas.microsoft.com/office/powerpoint/2010/main" val="1945545805"/>
       </p:ext>
     </p:extLst>
   </p:cSld>
@@ -953,7 +953,7 @@
           <p:cNvPr id="2" name="标题 1">
             <a:extLst>
               <a:ext uri="{FF2B5EF4-FFF2-40B4-BE49-F238E27FC236}">
-                <a16:creationId xmlns:a16="http://schemas.microsoft.com/office/drawing/2014/main" id="{6ED4355E-4DDC-4670-8ECF-FC9563B63852}"/>
+                <a16:creationId xmlns:a16="http://schemas.microsoft.com/office/drawing/2014/main" id="{E2121E51-433B-35BD-8A02-21B426D4D5CC}"/>
               </a:ext>
             </a:extLst>
           </p:cNvPr>
@@ -990,7 +990,7 @@
           <p:cNvPr id="3" name="文本占位符 2">
             <a:extLst>
               <a:ext uri="{FF2B5EF4-FFF2-40B4-BE49-F238E27FC236}">
-                <a16:creationId xmlns:a16="http://schemas.microsoft.com/office/drawing/2014/main" id="{81A4F15D-406A-E638-8F3F-91717776EC72}"/>
+                <a16:creationId xmlns:a16="http://schemas.microsoft.com/office/drawing/2014/main" id="{DFCC02DE-E28B-DF82-1202-C8C6AA36180D}"/>
               </a:ext>
             </a:extLst>
           </p:cNvPr>
@@ -1115,7 +1115,7 @@
           <p:cNvPr id="4" name="日期占位符 3">
             <a:extLst>
               <a:ext uri="{FF2B5EF4-FFF2-40B4-BE49-F238E27FC236}">
-                <a16:creationId xmlns:a16="http://schemas.microsoft.com/office/drawing/2014/main" id="{AEF250C3-95E7-7BF4-AB47-E01CD3710A09}"/>
+                <a16:creationId xmlns:a16="http://schemas.microsoft.com/office/drawing/2014/main" id="{E4EA63FE-DA17-BC92-344C-FB3D778769FE}"/>
               </a:ext>
             </a:extLst>
           </p:cNvPr>
@@ -1131,7 +1131,7 @@
           <a:bodyPr/>
           <a:lstStyle/>
           <a:p>
-            <a:fld id="{D63D7654-853C-46C8-A965-AA685E092988}" type="datetimeFigureOut">
+            <a:fld id="{965E1644-A8E0-4319-9B12-FEA1985CC69D}" type="datetimeFigureOut">
               <a:rPr lang="zh-CN" altLang="en-US" smtClean="0"/>
               <a:t>2024/3/10</a:t>
             </a:fld>
@@ -1144,7 +1144,7 @@
           <p:cNvPr id="5" name="页脚占位符 4">
             <a:extLst>
               <a:ext uri="{FF2B5EF4-FFF2-40B4-BE49-F238E27FC236}">
-                <a16:creationId xmlns:a16="http://schemas.microsoft.com/office/drawing/2014/main" id="{9CB5D7DF-B567-6ED8-39C0-F70B3B35038E}"/>
+                <a16:creationId xmlns:a16="http://schemas.microsoft.com/office/drawing/2014/main" id="{2F7B4666-18DA-9A9C-47B0-EB247B26BDCC}"/>
               </a:ext>
             </a:extLst>
           </p:cNvPr>
@@ -1169,7 +1169,7 @@
           <p:cNvPr id="6" name="灯片编号占位符 5">
             <a:extLst>
               <a:ext uri="{FF2B5EF4-FFF2-40B4-BE49-F238E27FC236}">
-                <a16:creationId xmlns:a16="http://schemas.microsoft.com/office/drawing/2014/main" id="{C1E9C0C5-2446-DCF2-3362-B785056831E7}"/>
+                <a16:creationId xmlns:a16="http://schemas.microsoft.com/office/drawing/2014/main" id="{D24A2139-F211-2475-0EE8-5BECD59C4A94}"/>
               </a:ext>
             </a:extLst>
           </p:cNvPr>
@@ -1185,7 +1185,7 @@
           <a:bodyPr/>
           <a:lstStyle/>
           <a:p>
-            <a:fld id="{DE05F33D-0BF6-4B35-9961-305890A34C1C}" type="slidenum">
+            <a:fld id="{48207790-875F-405F-B5B3-138B2A266317}" type="slidenum">
               <a:rPr lang="zh-CN" altLang="en-US" smtClean="0"/>
               <a:t>‹#›</a:t>
             </a:fld>
@@ -1196,7 +1196,7 @@
     </p:spTree>
     <p:extLst>
       <p:ext uri="{BB962C8B-B14F-4D97-AF65-F5344CB8AC3E}">
-        <p14:creationId xmlns:p14="http://schemas.microsoft.com/office/powerpoint/2010/main" val="482829313"/>
+        <p14:creationId xmlns:p14="http://schemas.microsoft.com/office/powerpoint/2010/main" val="3696554189"/>
       </p:ext>
     </p:extLst>
   </p:cSld>
@@ -1228,7 +1228,7 @@
           <p:cNvPr id="2" name="标题 1">
             <a:extLst>
               <a:ext uri="{FF2B5EF4-FFF2-40B4-BE49-F238E27FC236}">
-                <a16:creationId xmlns:a16="http://schemas.microsoft.com/office/drawing/2014/main" id="{AD0B1F30-8E59-4A96-6737-5ABA650BBBF9}"/>
+                <a16:creationId xmlns:a16="http://schemas.microsoft.com/office/drawing/2014/main" id="{804E9C41-E483-37FD-863E-F8CF6A76B672}"/>
               </a:ext>
             </a:extLst>
           </p:cNvPr>
@@ -1256,7 +1256,7 @@
           <p:cNvPr id="3" name="内容占位符 2">
             <a:extLst>
               <a:ext uri="{FF2B5EF4-FFF2-40B4-BE49-F238E27FC236}">
-                <a16:creationId xmlns:a16="http://schemas.microsoft.com/office/drawing/2014/main" id="{42D6674D-9C60-72D2-47A5-1CEFEF790F2D}"/>
+                <a16:creationId xmlns:a16="http://schemas.microsoft.com/office/drawing/2014/main" id="{5AA0658D-E9D9-C23A-AD11-0215D3BB7C40}"/>
               </a:ext>
             </a:extLst>
           </p:cNvPr>
@@ -1318,7 +1318,7 @@
           <p:cNvPr id="4" name="内容占位符 3">
             <a:extLst>
               <a:ext uri="{FF2B5EF4-FFF2-40B4-BE49-F238E27FC236}">
-                <a16:creationId xmlns:a16="http://schemas.microsoft.com/office/drawing/2014/main" id="{05B90E9F-B24E-ED76-A251-CC90D74AC439}"/>
+                <a16:creationId xmlns:a16="http://schemas.microsoft.com/office/drawing/2014/main" id="{67C822D6-E507-44FF-7729-C39D5385A5E6}"/>
               </a:ext>
             </a:extLst>
           </p:cNvPr>
@@ -1380,7 +1380,7 @@
           <p:cNvPr id="5" name="日期占位符 4">
             <a:extLst>
               <a:ext uri="{FF2B5EF4-FFF2-40B4-BE49-F238E27FC236}">
-                <a16:creationId xmlns:a16="http://schemas.microsoft.com/office/drawing/2014/main" id="{F5021678-E89A-0454-BBAE-E3186B0143DB}"/>
+                <a16:creationId xmlns:a16="http://schemas.microsoft.com/office/drawing/2014/main" id="{F78B9A8B-FF0D-7F20-F9E4-6623E7F8707C}"/>
               </a:ext>
             </a:extLst>
           </p:cNvPr>
@@ -1396,7 +1396,7 @@
           <a:bodyPr/>
           <a:lstStyle/>
           <a:p>
-            <a:fld id="{D63D7654-853C-46C8-A965-AA685E092988}" type="datetimeFigureOut">
+            <a:fld id="{965E1644-A8E0-4319-9B12-FEA1985CC69D}" type="datetimeFigureOut">
               <a:rPr lang="zh-CN" altLang="en-US" smtClean="0"/>
               <a:t>2024/3/10</a:t>
             </a:fld>
@@ -1409,7 +1409,7 @@
           <p:cNvPr id="6" name="页脚占位符 5">
             <a:extLst>
               <a:ext uri="{FF2B5EF4-FFF2-40B4-BE49-F238E27FC236}">
-                <a16:creationId xmlns:a16="http://schemas.microsoft.com/office/drawing/2014/main" id="{C00DE0FC-5530-9FF2-E53D-5DA14F1C772B}"/>
+                <a16:creationId xmlns:a16="http://schemas.microsoft.com/office/drawing/2014/main" id="{810D6219-C8F4-2C2D-B46E-0BB34612F1FF}"/>
               </a:ext>
             </a:extLst>
           </p:cNvPr>
@@ -1434,7 +1434,7 @@
           <p:cNvPr id="7" name="灯片编号占位符 6">
             <a:extLst>
               <a:ext uri="{FF2B5EF4-FFF2-40B4-BE49-F238E27FC236}">
-                <a16:creationId xmlns:a16="http://schemas.microsoft.com/office/drawing/2014/main" id="{5F415862-9A6D-BD6D-B406-BCCF4220749F}"/>
+                <a16:creationId xmlns:a16="http://schemas.microsoft.com/office/drawing/2014/main" id="{276F44C3-529C-ACCB-F674-1701A0B85AFD}"/>
               </a:ext>
             </a:extLst>
           </p:cNvPr>
@@ -1450,7 +1450,7 @@
           <a:bodyPr/>
           <a:lstStyle/>
           <a:p>
-            <a:fld id="{DE05F33D-0BF6-4B35-9961-305890A34C1C}" type="slidenum">
+            <a:fld id="{48207790-875F-405F-B5B3-138B2A266317}" type="slidenum">
               <a:rPr lang="zh-CN" altLang="en-US" smtClean="0"/>
               <a:t>‹#›</a:t>
             </a:fld>
@@ -1461,7 +1461,7 @@
     </p:spTree>
     <p:extLst>
       <p:ext uri="{BB962C8B-B14F-4D97-AF65-F5344CB8AC3E}">
-        <p14:creationId xmlns:p14="http://schemas.microsoft.com/office/powerpoint/2010/main" val="2190691772"/>
+        <p14:creationId xmlns:p14="http://schemas.microsoft.com/office/powerpoint/2010/main" val="2195899334"/>
       </p:ext>
     </p:extLst>
   </p:cSld>
@@ -1493,7 +1493,7 @@
           <p:cNvPr id="2" name="标题 1">
             <a:extLst>
               <a:ext uri="{FF2B5EF4-FFF2-40B4-BE49-F238E27FC236}">
-                <a16:creationId xmlns:a16="http://schemas.microsoft.com/office/drawing/2014/main" id="{B9007B4F-8019-EBAD-780E-49EA5A299060}"/>
+                <a16:creationId xmlns:a16="http://schemas.microsoft.com/office/drawing/2014/main" id="{147B6196-F958-2208-4490-C83A0DCB8CC2}"/>
               </a:ext>
             </a:extLst>
           </p:cNvPr>
@@ -1526,7 +1526,7 @@
           <p:cNvPr id="3" name="文本占位符 2">
             <a:extLst>
               <a:ext uri="{FF2B5EF4-FFF2-40B4-BE49-F238E27FC236}">
-                <a16:creationId xmlns:a16="http://schemas.microsoft.com/office/drawing/2014/main" id="{BD2CA7A9-2BF6-EFB0-C422-A5FCFCC879AD}"/>
+                <a16:creationId xmlns:a16="http://schemas.microsoft.com/office/drawing/2014/main" id="{3967748F-78C2-1F93-5D1C-93DA42AA80A0}"/>
               </a:ext>
             </a:extLst>
           </p:cNvPr>
@@ -1597,7 +1597,7 @@
           <p:cNvPr id="4" name="内容占位符 3">
             <a:extLst>
               <a:ext uri="{FF2B5EF4-FFF2-40B4-BE49-F238E27FC236}">
-                <a16:creationId xmlns:a16="http://schemas.microsoft.com/office/drawing/2014/main" id="{5448DB37-A32D-958F-2143-75316DD949BE}"/>
+                <a16:creationId xmlns:a16="http://schemas.microsoft.com/office/drawing/2014/main" id="{C97400B7-EEF2-D763-8723-41B5E5728121}"/>
               </a:ext>
             </a:extLst>
           </p:cNvPr>
@@ -1659,7 +1659,7 @@
           <p:cNvPr id="5" name="文本占位符 4">
             <a:extLst>
               <a:ext uri="{FF2B5EF4-FFF2-40B4-BE49-F238E27FC236}">
-                <a16:creationId xmlns:a16="http://schemas.microsoft.com/office/drawing/2014/main" id="{B391AC6D-07B7-135C-0B0D-48C8F780DC63}"/>
+                <a16:creationId xmlns:a16="http://schemas.microsoft.com/office/drawing/2014/main" id="{71CCEB65-C497-3695-64C0-56C9D780D341}"/>
               </a:ext>
             </a:extLst>
           </p:cNvPr>
@@ -1730,7 +1730,7 @@
           <p:cNvPr id="6" name="内容占位符 5">
             <a:extLst>
               <a:ext uri="{FF2B5EF4-FFF2-40B4-BE49-F238E27FC236}">
-                <a16:creationId xmlns:a16="http://schemas.microsoft.com/office/drawing/2014/main" id="{AEF06DF3-520E-6E40-1501-A2AC157292BF}"/>
+                <a16:creationId xmlns:a16="http://schemas.microsoft.com/office/drawing/2014/main" id="{E4FE4CA0-E035-2194-4CC8-27A4D5F42791}"/>
               </a:ext>
             </a:extLst>
           </p:cNvPr>
@@ -1792,7 +1792,7 @@
           <p:cNvPr id="7" name="日期占位符 6">
             <a:extLst>
               <a:ext uri="{FF2B5EF4-FFF2-40B4-BE49-F238E27FC236}">
-                <a16:creationId xmlns:a16="http://schemas.microsoft.com/office/drawing/2014/main" id="{8C3E6465-D6FE-332B-5571-E285B778278B}"/>
+                <a16:creationId xmlns:a16="http://schemas.microsoft.com/office/drawing/2014/main" id="{FC2E06AE-49B1-8E86-48C1-DAB4323D570E}"/>
               </a:ext>
             </a:extLst>
           </p:cNvPr>
@@ -1808,7 +1808,7 @@
           <a:bodyPr/>
           <a:lstStyle/>
           <a:p>
-            <a:fld id="{D63D7654-853C-46C8-A965-AA685E092988}" type="datetimeFigureOut">
+            <a:fld id="{965E1644-A8E0-4319-9B12-FEA1985CC69D}" type="datetimeFigureOut">
               <a:rPr lang="zh-CN" altLang="en-US" smtClean="0"/>
               <a:t>2024/3/10</a:t>
             </a:fld>
@@ -1821,7 +1821,7 @@
           <p:cNvPr id="8" name="页脚占位符 7">
             <a:extLst>
               <a:ext uri="{FF2B5EF4-FFF2-40B4-BE49-F238E27FC236}">
-                <a16:creationId xmlns:a16="http://schemas.microsoft.com/office/drawing/2014/main" id="{E7303F66-F6DF-EE98-5650-266C04B2413F}"/>
+                <a16:creationId xmlns:a16="http://schemas.microsoft.com/office/drawing/2014/main" id="{52F2CEF4-923C-B1F7-1434-F3B208D94B33}"/>
               </a:ext>
             </a:extLst>
           </p:cNvPr>
@@ -1846,7 +1846,7 @@
           <p:cNvPr id="9" name="灯片编号占位符 8">
             <a:extLst>
               <a:ext uri="{FF2B5EF4-FFF2-40B4-BE49-F238E27FC236}">
-                <a16:creationId xmlns:a16="http://schemas.microsoft.com/office/drawing/2014/main" id="{8FF895CF-65A9-AE4C-2228-A1CB9542A8D7}"/>
+                <a16:creationId xmlns:a16="http://schemas.microsoft.com/office/drawing/2014/main" id="{0866C9A9-0031-4690-307B-525FB3BFE02A}"/>
               </a:ext>
             </a:extLst>
           </p:cNvPr>
@@ -1862,7 +1862,7 @@
           <a:bodyPr/>
           <a:lstStyle/>
           <a:p>
-            <a:fld id="{DE05F33D-0BF6-4B35-9961-305890A34C1C}" type="slidenum">
+            <a:fld id="{48207790-875F-405F-B5B3-138B2A266317}" type="slidenum">
               <a:rPr lang="zh-CN" altLang="en-US" smtClean="0"/>
               <a:t>‹#›</a:t>
             </a:fld>
@@ -1873,7 +1873,7 @@
     </p:spTree>
     <p:extLst>
       <p:ext uri="{BB962C8B-B14F-4D97-AF65-F5344CB8AC3E}">
-        <p14:creationId xmlns:p14="http://schemas.microsoft.com/office/powerpoint/2010/main" val="3160348856"/>
+        <p14:creationId xmlns:p14="http://schemas.microsoft.com/office/powerpoint/2010/main" val="1796760145"/>
       </p:ext>
     </p:extLst>
   </p:cSld>
@@ -1905,7 +1905,7 @@
           <p:cNvPr id="2" name="标题 1">
             <a:extLst>
               <a:ext uri="{FF2B5EF4-FFF2-40B4-BE49-F238E27FC236}">
-                <a16:creationId xmlns:a16="http://schemas.microsoft.com/office/drawing/2014/main" id="{168361D4-6615-9E35-725C-FD804C0F69D9}"/>
+                <a16:creationId xmlns:a16="http://schemas.microsoft.com/office/drawing/2014/main" id="{3FE3ADC9-6317-F2CC-249A-15C890209A4E}"/>
               </a:ext>
             </a:extLst>
           </p:cNvPr>
@@ -1933,7 +1933,7 @@
           <p:cNvPr id="3" name="日期占位符 2">
             <a:extLst>
               <a:ext uri="{FF2B5EF4-FFF2-40B4-BE49-F238E27FC236}">
-                <a16:creationId xmlns:a16="http://schemas.microsoft.com/office/drawing/2014/main" id="{77A8FE9B-F5D8-CE71-9676-6BBBFCB2A86B}"/>
+                <a16:creationId xmlns:a16="http://schemas.microsoft.com/office/drawing/2014/main" id="{888D4B12-A6F9-BDE5-BB5C-15865B9410E0}"/>
               </a:ext>
             </a:extLst>
           </p:cNvPr>
@@ -1949,7 +1949,7 @@
           <a:bodyPr/>
           <a:lstStyle/>
           <a:p>
-            <a:fld id="{D63D7654-853C-46C8-A965-AA685E092988}" type="datetimeFigureOut">
+            <a:fld id="{965E1644-A8E0-4319-9B12-FEA1985CC69D}" type="datetimeFigureOut">
               <a:rPr lang="zh-CN" altLang="en-US" smtClean="0"/>
               <a:t>2024/3/10</a:t>
             </a:fld>
@@ -1962,7 +1962,7 @@
           <p:cNvPr id="4" name="页脚占位符 3">
             <a:extLst>
               <a:ext uri="{FF2B5EF4-FFF2-40B4-BE49-F238E27FC236}">
-                <a16:creationId xmlns:a16="http://schemas.microsoft.com/office/drawing/2014/main" id="{AEBED1D5-2E0B-A447-9621-A24C10A7F43D}"/>
+                <a16:creationId xmlns:a16="http://schemas.microsoft.com/office/drawing/2014/main" id="{B6D52B23-4ADA-79CA-33B0-7D1F4F421CF6}"/>
               </a:ext>
             </a:extLst>
           </p:cNvPr>
@@ -1987,7 +1987,7 @@
           <p:cNvPr id="5" name="灯片编号占位符 4">
             <a:extLst>
               <a:ext uri="{FF2B5EF4-FFF2-40B4-BE49-F238E27FC236}">
-                <a16:creationId xmlns:a16="http://schemas.microsoft.com/office/drawing/2014/main" id="{D3EE5B83-CEA9-192C-891B-E21259469574}"/>
+                <a16:creationId xmlns:a16="http://schemas.microsoft.com/office/drawing/2014/main" id="{A9A35CEB-3477-3B3D-DC69-EF13E3652B37}"/>
               </a:ext>
             </a:extLst>
           </p:cNvPr>
@@ -2003,7 +2003,7 @@
           <a:bodyPr/>
           <a:lstStyle/>
           <a:p>
-            <a:fld id="{DE05F33D-0BF6-4B35-9961-305890A34C1C}" type="slidenum">
+            <a:fld id="{48207790-875F-405F-B5B3-138B2A266317}" type="slidenum">
               <a:rPr lang="zh-CN" altLang="en-US" smtClean="0"/>
               <a:t>‹#›</a:t>
             </a:fld>
@@ -2014,7 +2014,7 @@
     </p:spTree>
     <p:extLst>
       <p:ext uri="{BB962C8B-B14F-4D97-AF65-F5344CB8AC3E}">
-        <p14:creationId xmlns:p14="http://schemas.microsoft.com/office/powerpoint/2010/main" val="1101413346"/>
+        <p14:creationId xmlns:p14="http://schemas.microsoft.com/office/powerpoint/2010/main" val="1979699627"/>
       </p:ext>
     </p:extLst>
   </p:cSld>
@@ -2046,7 +2046,7 @@
           <p:cNvPr id="2" name="日期占位符 1">
             <a:extLst>
               <a:ext uri="{FF2B5EF4-FFF2-40B4-BE49-F238E27FC236}">
-                <a16:creationId xmlns:a16="http://schemas.microsoft.com/office/drawing/2014/main" id="{2E0613E5-2252-8A4D-FE7D-7656AF576E7F}"/>
+                <a16:creationId xmlns:a16="http://schemas.microsoft.com/office/drawing/2014/main" id="{86FC507A-5930-6D74-F7FD-20BB6EFFA822}"/>
               </a:ext>
             </a:extLst>
           </p:cNvPr>
@@ -2062,7 +2062,7 @@
           <a:bodyPr/>
           <a:lstStyle/>
           <a:p>
-            <a:fld id="{D63D7654-853C-46C8-A965-AA685E092988}" type="datetimeFigureOut">
+            <a:fld id="{965E1644-A8E0-4319-9B12-FEA1985CC69D}" type="datetimeFigureOut">
               <a:rPr lang="zh-CN" altLang="en-US" smtClean="0"/>
               <a:t>2024/3/10</a:t>
             </a:fld>
@@ -2075,7 +2075,7 @@
           <p:cNvPr id="3" name="页脚占位符 2">
             <a:extLst>
               <a:ext uri="{FF2B5EF4-FFF2-40B4-BE49-F238E27FC236}">
-                <a16:creationId xmlns:a16="http://schemas.microsoft.com/office/drawing/2014/main" id="{21BDD8B8-2758-EB03-A899-15BFF0CA4F41}"/>
+                <a16:creationId xmlns:a16="http://schemas.microsoft.com/office/drawing/2014/main" id="{FE08579F-4317-116F-A232-9B21234576B5}"/>
               </a:ext>
             </a:extLst>
           </p:cNvPr>
@@ -2100,7 +2100,7 @@
           <p:cNvPr id="4" name="灯片编号占位符 3">
             <a:extLst>
               <a:ext uri="{FF2B5EF4-FFF2-40B4-BE49-F238E27FC236}">
-                <a16:creationId xmlns:a16="http://schemas.microsoft.com/office/drawing/2014/main" id="{001401EF-849B-D57B-CD0C-6F781EAFE17A}"/>
+                <a16:creationId xmlns:a16="http://schemas.microsoft.com/office/drawing/2014/main" id="{EA199D86-0040-4E2F-4CD3-24C873110D37}"/>
               </a:ext>
             </a:extLst>
           </p:cNvPr>
@@ -2116,7 +2116,7 @@
           <a:bodyPr/>
           <a:lstStyle/>
           <a:p>
-            <a:fld id="{DE05F33D-0BF6-4B35-9961-305890A34C1C}" type="slidenum">
+            <a:fld id="{48207790-875F-405F-B5B3-138B2A266317}" type="slidenum">
               <a:rPr lang="zh-CN" altLang="en-US" smtClean="0"/>
               <a:t>‹#›</a:t>
             </a:fld>
@@ -2127,7 +2127,7 @@
     </p:spTree>
     <p:extLst>
       <p:ext uri="{BB962C8B-B14F-4D97-AF65-F5344CB8AC3E}">
-        <p14:creationId xmlns:p14="http://schemas.microsoft.com/office/powerpoint/2010/main" val="1929790093"/>
+        <p14:creationId xmlns:p14="http://schemas.microsoft.com/office/powerpoint/2010/main" val="3167986362"/>
       </p:ext>
     </p:extLst>
   </p:cSld>
@@ -2159,7 +2159,7 @@
           <p:cNvPr id="2" name="标题 1">
             <a:extLst>
               <a:ext uri="{FF2B5EF4-FFF2-40B4-BE49-F238E27FC236}">
-                <a16:creationId xmlns:a16="http://schemas.microsoft.com/office/drawing/2014/main" id="{FFA24707-148A-D0D7-D682-CA674D7F8599}"/>
+                <a16:creationId xmlns:a16="http://schemas.microsoft.com/office/drawing/2014/main" id="{B63137D0-1778-23E9-3784-EB57006BD76B}"/>
               </a:ext>
             </a:extLst>
           </p:cNvPr>
@@ -2196,7 +2196,7 @@
           <p:cNvPr id="3" name="内容占位符 2">
             <a:extLst>
               <a:ext uri="{FF2B5EF4-FFF2-40B4-BE49-F238E27FC236}">
-                <a16:creationId xmlns:a16="http://schemas.microsoft.com/office/drawing/2014/main" id="{C11D2136-FA5B-0077-B5F3-37CF71D5C844}"/>
+                <a16:creationId xmlns:a16="http://schemas.microsoft.com/office/drawing/2014/main" id="{D91F661C-469D-1A98-FBD3-782F00BE61F7}"/>
               </a:ext>
             </a:extLst>
           </p:cNvPr>
@@ -2286,7 +2286,7 @@
           <p:cNvPr id="4" name="文本占位符 3">
             <a:extLst>
               <a:ext uri="{FF2B5EF4-FFF2-40B4-BE49-F238E27FC236}">
-                <a16:creationId xmlns:a16="http://schemas.microsoft.com/office/drawing/2014/main" id="{7514E608-D0AF-72B9-DDF8-797E938E50D1}"/>
+                <a16:creationId xmlns:a16="http://schemas.microsoft.com/office/drawing/2014/main" id="{1769F10A-38B4-F1A5-B8A4-6C7008065E5C}"/>
               </a:ext>
             </a:extLst>
           </p:cNvPr>
@@ -2357,7 +2357,7 @@
           <p:cNvPr id="5" name="日期占位符 4">
             <a:extLst>
               <a:ext uri="{FF2B5EF4-FFF2-40B4-BE49-F238E27FC236}">
-                <a16:creationId xmlns:a16="http://schemas.microsoft.com/office/drawing/2014/main" id="{67B4C005-C48B-752B-074B-835041053C30}"/>
+                <a16:creationId xmlns:a16="http://schemas.microsoft.com/office/drawing/2014/main" id="{AC9AAE43-FD30-89E3-6CCB-4B65E42B0F2E}"/>
               </a:ext>
             </a:extLst>
           </p:cNvPr>
@@ -2373,7 +2373,7 @@
           <a:bodyPr/>
           <a:lstStyle/>
           <a:p>
-            <a:fld id="{D63D7654-853C-46C8-A965-AA685E092988}" type="datetimeFigureOut">
+            <a:fld id="{965E1644-A8E0-4319-9B12-FEA1985CC69D}" type="datetimeFigureOut">
               <a:rPr lang="zh-CN" altLang="en-US" smtClean="0"/>
               <a:t>2024/3/10</a:t>
             </a:fld>
@@ -2386,7 +2386,7 @@
           <p:cNvPr id="6" name="页脚占位符 5">
             <a:extLst>
               <a:ext uri="{FF2B5EF4-FFF2-40B4-BE49-F238E27FC236}">
-                <a16:creationId xmlns:a16="http://schemas.microsoft.com/office/drawing/2014/main" id="{F0938DF0-821C-8433-9BC3-957FAF583178}"/>
+                <a16:creationId xmlns:a16="http://schemas.microsoft.com/office/drawing/2014/main" id="{D5C5D9E0-7B1F-A9ED-1323-CD4893DFBCAC}"/>
               </a:ext>
             </a:extLst>
           </p:cNvPr>
@@ -2411,7 +2411,7 @@
           <p:cNvPr id="7" name="灯片编号占位符 6">
             <a:extLst>
               <a:ext uri="{FF2B5EF4-FFF2-40B4-BE49-F238E27FC236}">
-                <a16:creationId xmlns:a16="http://schemas.microsoft.com/office/drawing/2014/main" id="{28692185-D9DF-D075-A057-55063ED7BD1A}"/>
+                <a16:creationId xmlns:a16="http://schemas.microsoft.com/office/drawing/2014/main" id="{9732E62D-AC5B-56AA-1E40-3912EE520F48}"/>
               </a:ext>
             </a:extLst>
           </p:cNvPr>
@@ -2427,7 +2427,7 @@
           <a:bodyPr/>
           <a:lstStyle/>
           <a:p>
-            <a:fld id="{DE05F33D-0BF6-4B35-9961-305890A34C1C}" type="slidenum">
+            <a:fld id="{48207790-875F-405F-B5B3-138B2A266317}" type="slidenum">
               <a:rPr lang="zh-CN" altLang="en-US" smtClean="0"/>
               <a:t>‹#›</a:t>
             </a:fld>
@@ -2438,7 +2438,7 @@
     </p:spTree>
     <p:extLst>
       <p:ext uri="{BB962C8B-B14F-4D97-AF65-F5344CB8AC3E}">
-        <p14:creationId xmlns:p14="http://schemas.microsoft.com/office/powerpoint/2010/main" val="1682009771"/>
+        <p14:creationId xmlns:p14="http://schemas.microsoft.com/office/powerpoint/2010/main" val="1275506550"/>
       </p:ext>
     </p:extLst>
   </p:cSld>
@@ -2470,7 +2470,7 @@
           <p:cNvPr id="2" name="标题 1">
             <a:extLst>
               <a:ext uri="{FF2B5EF4-FFF2-40B4-BE49-F238E27FC236}">
-                <a16:creationId xmlns:a16="http://schemas.microsoft.com/office/drawing/2014/main" id="{15023D79-44F5-94D3-51AA-744BE1DDFB51}"/>
+                <a16:creationId xmlns:a16="http://schemas.microsoft.com/office/drawing/2014/main" id="{F78C0801-9979-6C59-AEAC-093577BC3B43}"/>
               </a:ext>
             </a:extLst>
           </p:cNvPr>
@@ -2507,7 +2507,7 @@
           <p:cNvPr id="3" name="图片占位符 2">
             <a:extLst>
               <a:ext uri="{FF2B5EF4-FFF2-40B4-BE49-F238E27FC236}">
-                <a16:creationId xmlns:a16="http://schemas.microsoft.com/office/drawing/2014/main" id="{7FD11E4A-1E05-DA1A-A8B2-C16A32515E61}"/>
+                <a16:creationId xmlns:a16="http://schemas.microsoft.com/office/drawing/2014/main" id="{E662F408-189D-2C14-C465-D3051373D0E7}"/>
               </a:ext>
             </a:extLst>
           </p:cNvPr>
@@ -2574,7 +2574,7 @@
           <p:cNvPr id="4" name="文本占位符 3">
             <a:extLst>
               <a:ext uri="{FF2B5EF4-FFF2-40B4-BE49-F238E27FC236}">
-                <a16:creationId xmlns:a16="http://schemas.microsoft.com/office/drawing/2014/main" id="{DA0D1152-83AB-75D3-B383-A4173E550B71}"/>
+                <a16:creationId xmlns:a16="http://schemas.microsoft.com/office/drawing/2014/main" id="{16D1B0FD-133E-44B7-2C24-8EAF482A26EE}"/>
               </a:ext>
             </a:extLst>
           </p:cNvPr>
@@ -2645,7 +2645,7 @@
           <p:cNvPr id="5" name="日期占位符 4">
             <a:extLst>
               <a:ext uri="{FF2B5EF4-FFF2-40B4-BE49-F238E27FC236}">
-                <a16:creationId xmlns:a16="http://schemas.microsoft.com/office/drawing/2014/main" id="{DEFA99B7-737A-8807-A53C-FC02A053ED5C}"/>
+                <a16:creationId xmlns:a16="http://schemas.microsoft.com/office/drawing/2014/main" id="{2D6E0A1D-1A36-CA88-F60B-A8F8DEABD83C}"/>
               </a:ext>
             </a:extLst>
           </p:cNvPr>
@@ -2661,7 +2661,7 @@
           <a:bodyPr/>
           <a:lstStyle/>
           <a:p>
-            <a:fld id="{D63D7654-853C-46C8-A965-AA685E092988}" type="datetimeFigureOut">
+            <a:fld id="{965E1644-A8E0-4319-9B12-FEA1985CC69D}" type="datetimeFigureOut">
               <a:rPr lang="zh-CN" altLang="en-US" smtClean="0"/>
               <a:t>2024/3/10</a:t>
             </a:fld>
@@ -2674,7 +2674,7 @@
           <p:cNvPr id="6" name="页脚占位符 5">
             <a:extLst>
               <a:ext uri="{FF2B5EF4-FFF2-40B4-BE49-F238E27FC236}">
-                <a16:creationId xmlns:a16="http://schemas.microsoft.com/office/drawing/2014/main" id="{2DD54987-A690-2780-9D15-B797A0FD6E6B}"/>
+                <a16:creationId xmlns:a16="http://schemas.microsoft.com/office/drawing/2014/main" id="{F482CD45-49DF-33A1-9B82-8E23AA282F08}"/>
               </a:ext>
             </a:extLst>
           </p:cNvPr>
@@ -2699,7 +2699,7 @@
           <p:cNvPr id="7" name="灯片编号占位符 6">
             <a:extLst>
               <a:ext uri="{FF2B5EF4-FFF2-40B4-BE49-F238E27FC236}">
-                <a16:creationId xmlns:a16="http://schemas.microsoft.com/office/drawing/2014/main" id="{F03FE414-8909-60EF-2F56-02654BCAE3C5}"/>
+                <a16:creationId xmlns:a16="http://schemas.microsoft.com/office/drawing/2014/main" id="{00E53397-1131-6B36-DDC8-5C017D0D4EB3}"/>
               </a:ext>
             </a:extLst>
           </p:cNvPr>
@@ -2715,7 +2715,7 @@
           <a:bodyPr/>
           <a:lstStyle/>
           <a:p>
-            <a:fld id="{DE05F33D-0BF6-4B35-9961-305890A34C1C}" type="slidenum">
+            <a:fld id="{48207790-875F-405F-B5B3-138B2A266317}" type="slidenum">
               <a:rPr lang="zh-CN" altLang="en-US" smtClean="0"/>
               <a:t>‹#›</a:t>
             </a:fld>
@@ -2726,7 +2726,7 @@
     </p:spTree>
     <p:extLst>
       <p:ext uri="{BB962C8B-B14F-4D97-AF65-F5344CB8AC3E}">
-        <p14:creationId xmlns:p14="http://schemas.microsoft.com/office/powerpoint/2010/main" val="4273238505"/>
+        <p14:creationId xmlns:p14="http://schemas.microsoft.com/office/powerpoint/2010/main" val="2551347405"/>
       </p:ext>
     </p:extLst>
   </p:cSld>
@@ -2763,7 +2763,7 @@
           <p:cNvPr id="2" name="标题占位符 1">
             <a:extLst>
               <a:ext uri="{FF2B5EF4-FFF2-40B4-BE49-F238E27FC236}">
-                <a16:creationId xmlns:a16="http://schemas.microsoft.com/office/drawing/2014/main" id="{C7B4807B-6FA1-677E-9140-76224596F006}"/>
+                <a16:creationId xmlns:a16="http://schemas.microsoft.com/office/drawing/2014/main" id="{0978F7F5-1BDA-A4B1-C7D5-56206417B852}"/>
               </a:ext>
             </a:extLst>
           </p:cNvPr>
@@ -2801,7 +2801,7 @@
           <p:cNvPr id="3" name="文本占位符 2">
             <a:extLst>
               <a:ext uri="{FF2B5EF4-FFF2-40B4-BE49-F238E27FC236}">
-                <a16:creationId xmlns:a16="http://schemas.microsoft.com/office/drawing/2014/main" id="{75E7928B-5F2F-9AB8-3CF2-8BAD219B3CB8}"/>
+                <a16:creationId xmlns:a16="http://schemas.microsoft.com/office/drawing/2014/main" id="{D36FC5D5-95BD-EF10-57D1-794ABAC839BC}"/>
               </a:ext>
             </a:extLst>
           </p:cNvPr>
@@ -2868,7 +2868,7 @@
           <p:cNvPr id="4" name="日期占位符 3">
             <a:extLst>
               <a:ext uri="{FF2B5EF4-FFF2-40B4-BE49-F238E27FC236}">
-                <a16:creationId xmlns:a16="http://schemas.microsoft.com/office/drawing/2014/main" id="{E3EDB8E1-D9BF-E8D6-FDA1-C9D59B37EB06}"/>
+                <a16:creationId xmlns:a16="http://schemas.microsoft.com/office/drawing/2014/main" id="{FB5FBA1C-6409-9357-76F9-8CFF123AAEEE}"/>
               </a:ext>
             </a:extLst>
           </p:cNvPr>
@@ -2902,7 +2902,7 @@
             </a:lvl1pPr>
           </a:lstStyle>
           <a:p>
-            <a:fld id="{D63D7654-853C-46C8-A965-AA685E092988}" type="datetimeFigureOut">
+            <a:fld id="{965E1644-A8E0-4319-9B12-FEA1985CC69D}" type="datetimeFigureOut">
               <a:rPr lang="zh-CN" altLang="en-US" smtClean="0"/>
               <a:t>2024/3/10</a:t>
             </a:fld>
@@ -2915,7 +2915,7 @@
           <p:cNvPr id="5" name="页脚占位符 4">
             <a:extLst>
               <a:ext uri="{FF2B5EF4-FFF2-40B4-BE49-F238E27FC236}">
-                <a16:creationId xmlns:a16="http://schemas.microsoft.com/office/drawing/2014/main" id="{72A2E30C-DBEB-2AF6-06F6-DB588F72A06B}"/>
+                <a16:creationId xmlns:a16="http://schemas.microsoft.com/office/drawing/2014/main" id="{147AD4CA-8B70-2101-B313-FB8A7EB96AE0}"/>
               </a:ext>
             </a:extLst>
           </p:cNvPr>
@@ -2958,7 +2958,7 @@
           <p:cNvPr id="6" name="灯片编号占位符 5">
             <a:extLst>
               <a:ext uri="{FF2B5EF4-FFF2-40B4-BE49-F238E27FC236}">
-                <a16:creationId xmlns:a16="http://schemas.microsoft.com/office/drawing/2014/main" id="{5A2A774C-6C17-B6A4-A8CF-FC063B005D2F}"/>
+                <a16:creationId xmlns:a16="http://schemas.microsoft.com/office/drawing/2014/main" id="{7D347755-19AD-6F05-8FFF-A6480E77FCCF}"/>
               </a:ext>
             </a:extLst>
           </p:cNvPr>
@@ -2992,7 +2992,7 @@
             </a:lvl1pPr>
           </a:lstStyle>
           <a:p>
-            <a:fld id="{DE05F33D-0BF6-4B35-9961-305890A34C1C}" type="slidenum">
+            <a:fld id="{48207790-875F-405F-B5B3-138B2A266317}" type="slidenum">
               <a:rPr lang="zh-CN" altLang="en-US" smtClean="0"/>
               <a:t>‹#›</a:t>
             </a:fld>
@@ -3003,7 +3003,7 @@
     </p:spTree>
     <p:extLst>
       <p:ext uri="{BB962C8B-B14F-4D97-AF65-F5344CB8AC3E}">
-        <p14:creationId xmlns:p14="http://schemas.microsoft.com/office/powerpoint/2010/main" val="3440016728"/>
+        <p14:creationId xmlns:p14="http://schemas.microsoft.com/office/powerpoint/2010/main" val="3213646289"/>
       </p:ext>
     </p:extLst>
   </p:cSld>
@@ -3323,7 +3323,7 @@
       </p:grpSpPr>
       <p:pic>
         <p:nvPicPr>
-          <p:cNvPr id="816130" name="Picture 2" descr="796"/>
+          <p:cNvPr id="817154" name="Picture 2" descr="797"/>
           <p:cNvPicPr>
             <a:picLocks noChangeAspect="1" noChangeArrowheads="1"/>
           </p:cNvPicPr>
@@ -3375,11 +3375,158 @@
           </a:extLst>
         </p:spPr>
       </p:pic>
+      <p:pic>
+        <p:nvPicPr>
+          <p:cNvPr id="818179" name="Picture 3" descr="797-2"/>
+          <p:cNvPicPr>
+            <a:picLocks noChangeAspect="1" noChangeArrowheads="1"/>
+          </p:cNvPicPr>
+          <p:nvPr/>
+        </p:nvPicPr>
+        <p:blipFill>
+          <a:blip r:embed="rId3">
+            <a:extLst>
+              <a:ext uri="{28A0092B-C50C-407E-A947-70E740481C1C}">
+                <a14:useLocalDpi xmlns:a14="http://schemas.microsoft.com/office/drawing/2010/main" val="0"/>
+              </a:ext>
+            </a:extLst>
+          </a:blip>
+          <a:srcRect/>
+          <a:stretch>
+            <a:fillRect/>
+          </a:stretch>
+        </p:blipFill>
+        <p:spPr bwMode="auto">
+          <a:xfrm>
+            <a:off x="1501776" y="0"/>
+            <a:ext cx="9129713" cy="6858000"/>
+          </a:xfrm>
+          <a:prstGeom prst="rect">
+            <a:avLst/>
+          </a:prstGeom>
+          <a:noFill/>
+          <a:ln>
+            <a:noFill/>
+          </a:ln>
+          <a:effectLst/>
+          <a:extLst>
+            <a:ext uri="{909E8E84-426E-40DD-AFC4-6F175D3DCCD1}">
+              <a14:hiddenFill xmlns:a14="http://schemas.microsoft.com/office/drawing/2010/main">
+                <a:solidFill>
+                  <a:srgbClr val="FFFFFF"/>
+                </a:solidFill>
+              </a14:hiddenFill>
+            </a:ext>
+            <a:ext uri="{91240B29-F687-4F45-9708-019B960494DF}">
+              <a14:hiddenLine xmlns:a14="http://schemas.microsoft.com/office/drawing/2010/main" w="9525">
+                <a:solidFill>
+                  <a:srgbClr val="000000"/>
+                </a:solidFill>
+                <a:miter lim="800000"/>
+                <a:headEnd/>
+                <a:tailEnd/>
+              </a14:hiddenLine>
+            </a:ext>
+            <a:ext uri="{AF507438-7753-43E0-B8FC-AC1667EBCBE1}">
+              <a14:hiddenEffects xmlns:a14="http://schemas.microsoft.com/office/drawing/2010/main">
+                <a:effectLst>
+                  <a:outerShdw dist="35921" dir="2700000" algn="ctr" rotWithShape="0">
+                    <a:srgbClr val="808080"/>
+                  </a:outerShdw>
+                </a:effectLst>
+              </a14:hiddenEffects>
+            </a:ext>
+          </a:extLst>
+        </p:spPr>
+      </p:pic>
     </p:spTree>
   </p:cSld>
   <p:clrMapOvr>
     <a:masterClrMapping/>
   </p:clrMapOvr>
+  <p:timing>
+    <p:tnLst>
+      <p:par>
+        <p:cTn id="1" dur="indefinite" restart="never" nodeType="tmRoot">
+          <p:childTnLst>
+            <p:seq concurrent="1" nextAc="seek">
+              <p:cTn id="2" dur="indefinite" nodeType="mainSeq">
+                <p:childTnLst>
+                  <p:par>
+                    <p:cTn id="3" fill="hold" nodeType="clickPar">
+                      <p:stCondLst>
+                        <p:cond delay="indefinite"/>
+                      </p:stCondLst>
+                      <p:childTnLst>
+                        <p:par>
+                          <p:cTn id="4" fill="hold" nodeType="withGroup">
+                            <p:stCondLst>
+                              <p:cond delay="0"/>
+                            </p:stCondLst>
+                            <p:childTnLst>
+                              <p:par>
+                                <p:cTn id="5" presetID="10" presetClass="entr" presetSubtype="0" fill="hold" nodeType="clickEffect">
+                                  <p:stCondLst>
+                                    <p:cond delay="0"/>
+                                  </p:stCondLst>
+                                  <p:childTnLst>
+                                    <p:set>
+                                      <p:cBhvr>
+                                        <p:cTn id="6" dur="1" fill="hold">
+                                          <p:stCondLst>
+                                            <p:cond delay="0"/>
+                                          </p:stCondLst>
+                                        </p:cTn>
+                                        <p:tgtEl>
+                                          <p:spTgt spid="818179"/>
+                                        </p:tgtEl>
+                                        <p:attrNameLst>
+                                          <p:attrName>style.visibility</p:attrName>
+                                        </p:attrNameLst>
+                                      </p:cBhvr>
+                                      <p:to>
+                                        <p:strVal val="visible"/>
+                                      </p:to>
+                                    </p:set>
+                                    <p:animEffect transition="in" filter="fade">
+                                      <p:cBhvr>
+                                        <p:cTn id="7" dur="500"/>
+                                        <p:tgtEl>
+                                          <p:spTgt spid="818179"/>
+                                        </p:tgtEl>
+                                      </p:cBhvr>
+                                    </p:animEffect>
+                                  </p:childTnLst>
+                                </p:cTn>
+                              </p:par>
+                            </p:childTnLst>
+                          </p:cTn>
+                        </p:par>
+                      </p:childTnLst>
+                    </p:cTn>
+                  </p:par>
+                </p:childTnLst>
+              </p:cTn>
+              <p:prevCondLst>
+                <p:cond evt="onPrev" delay="0">
+                  <p:tgtEl>
+                    <p:sldTgt/>
+                  </p:tgtEl>
+                </p:cond>
+              </p:prevCondLst>
+              <p:nextCondLst>
+                <p:cond evt="onNext" delay="0">
+                  <p:tgtEl>
+                    <p:sldTgt/>
+                  </p:tgtEl>
+                </p:cond>
+              </p:nextCondLst>
+            </p:seq>
+          </p:childTnLst>
+        </p:cTn>
+      </p:par>
+    </p:tnLst>
+  </p:timing>
 </p:sld>
 </file>
 
